--- a/Feb2021/DataVisuals/Data Visualization.pptx
+++ b/Feb2021/DataVisuals/Data Visualization.pptx
@@ -133,10 +133,41 @@
   <pc:docChgLst>
     <pc:chgData name="David Stevens" userId="7061dc7b3fcc8ec4" providerId="LiveId" clId="{AD1BF7B4-365F-4C6F-BC57-4FBEB5C59CC6}"/>
     <pc:docChg chg="undo custSel modSld">
-      <pc:chgData name="David Stevens" userId="7061dc7b3fcc8ec4" providerId="LiveId" clId="{AD1BF7B4-365F-4C6F-BC57-4FBEB5C59CC6}" dt="2021-02-05T15:18:30.769" v="46" actId="20577"/>
+      <pc:chgData name="David Stevens" userId="7061dc7b3fcc8ec4" providerId="LiveId" clId="{AD1BF7B4-365F-4C6F-BC57-4FBEB5C59CC6}" dt="2021-02-08T13:43:59.961" v="53" actId="478"/>
       <pc:docMkLst>
         <pc:docMk/>
       </pc:docMkLst>
+      <pc:sldChg chg="addSp delSp modSp mod">
+        <pc:chgData name="David Stevens" userId="7061dc7b3fcc8ec4" providerId="LiveId" clId="{AD1BF7B4-365F-4C6F-BC57-4FBEB5C59CC6}" dt="2021-02-08T13:43:59.961" v="53" actId="478"/>
+        <pc:sldMkLst>
+          <pc:docMk/>
+          <pc:sldMk cId="2806257027" sldId="256"/>
+        </pc:sldMkLst>
+        <pc:spChg chg="mod">
+          <ac:chgData name="David Stevens" userId="7061dc7b3fcc8ec4" providerId="LiveId" clId="{AD1BF7B4-365F-4C6F-BC57-4FBEB5C59CC6}" dt="2021-02-08T13:43:54.006" v="51" actId="207"/>
+          <ac:spMkLst>
+            <pc:docMk/>
+            <pc:sldMk cId="2806257027" sldId="256"/>
+            <ac:spMk id="2" creationId="{DE3D84FB-5D02-47D2-98FD-4F01A02E2AEA}"/>
+          </ac:spMkLst>
+        </pc:spChg>
+        <pc:spChg chg="mod">
+          <ac:chgData name="David Stevens" userId="7061dc7b3fcc8ec4" providerId="LiveId" clId="{AD1BF7B4-365F-4C6F-BC57-4FBEB5C59CC6}" dt="2021-02-08T13:43:54.006" v="51" actId="207"/>
+          <ac:spMkLst>
+            <pc:docMk/>
+            <pc:sldMk cId="2806257027" sldId="256"/>
+            <ac:spMk id="3" creationId="{E9F6641D-ADF3-40BD-9BA3-E740E77C8826}"/>
+          </ac:spMkLst>
+        </pc:spChg>
+        <pc:picChg chg="add del">
+          <ac:chgData name="David Stevens" userId="7061dc7b3fcc8ec4" providerId="LiveId" clId="{AD1BF7B4-365F-4C6F-BC57-4FBEB5C59CC6}" dt="2021-02-08T13:43:59.961" v="53" actId="478"/>
+          <ac:picMkLst>
+            <pc:docMk/>
+            <pc:sldMk cId="2806257027" sldId="256"/>
+            <ac:picMk id="5" creationId="{230BD1B1-AA22-48F1-B3ED-579CD284605D}"/>
+          </ac:picMkLst>
+        </pc:picChg>
+      </pc:sldChg>
       <pc:sldChg chg="modSp">
         <pc:chgData name="David Stevens" userId="7061dc7b3fcc8ec4" providerId="LiveId" clId="{AD1BF7B4-365F-4C6F-BC57-4FBEB5C59CC6}" dt="2021-02-05T15:17:55.537" v="3" actId="14100"/>
         <pc:sldMkLst>
@@ -151,6 +182,21 @@
             <ac:picMk id="4" creationId="{188B12E4-315B-4670-B2A5-C4C0199AF852}"/>
           </ac:picMkLst>
         </pc:picChg>
+      </pc:sldChg>
+      <pc:sldChg chg="modSp mod">
+        <pc:chgData name="David Stevens" userId="7061dc7b3fcc8ec4" providerId="LiveId" clId="{AD1BF7B4-365F-4C6F-BC57-4FBEB5C59CC6}" dt="2021-02-08T13:40:45.209" v="50" actId="20577"/>
+        <pc:sldMkLst>
+          <pc:docMk/>
+          <pc:sldMk cId="3017949692" sldId="282"/>
+        </pc:sldMkLst>
+        <pc:spChg chg="mod">
+          <ac:chgData name="David Stevens" userId="7061dc7b3fcc8ec4" providerId="LiveId" clId="{AD1BF7B4-365F-4C6F-BC57-4FBEB5C59CC6}" dt="2021-02-08T13:40:45.209" v="50" actId="20577"/>
+          <ac:spMkLst>
+            <pc:docMk/>
+            <pc:sldMk cId="3017949692" sldId="282"/>
+            <ac:spMk id="8" creationId="{32C79EA3-F6B0-4B60-9D5B-A93D69FCB34B}"/>
+          </ac:spMkLst>
+        </pc:spChg>
       </pc:sldChg>
       <pc:sldChg chg="modSp mod">
         <pc:chgData name="David Stevens" userId="7061dc7b3fcc8ec4" providerId="LiveId" clId="{AD1BF7B4-365F-4C6F-BC57-4FBEB5C59CC6}" dt="2021-02-05T15:18:30.769" v="46" actId="20577"/>
@@ -254,7 +300,7 @@
           <a:p>
             <a:fld id="{C452ADB1-275D-430A-89EE-5C7E6CFF6FF2}" type="datetimeFigureOut">
               <a:rPr lang="en-US" smtClean="0"/>
-              <a:t>2/5/2021</a:t>
+              <a:t>2/8/2021</a:t>
             </a:fld>
             <a:endParaRPr lang="en-US" dirty="0"/>
           </a:p>
@@ -673,7 +719,7 @@
           <a:p>
             <a:fld id="{7005E26E-BCB2-4FD5-8FD5-81A5EAE94C21}" type="datetime1">
               <a:rPr lang="en-US" smtClean="0"/>
-              <a:t>2/5/2021</a:t>
+              <a:t>2/8/2021</a:t>
             </a:fld>
             <a:endParaRPr lang="en-US" dirty="0"/>
           </a:p>
@@ -916,7 +962,7 @@
           <a:p>
             <a:fld id="{9CC2E9B8-0487-42E4-B571-744A3D775783}" type="datetime1">
               <a:rPr lang="en-US" smtClean="0"/>
-              <a:t>2/5/2021</a:t>
+              <a:t>2/8/2021</a:t>
             </a:fld>
             <a:endParaRPr lang="en-US" dirty="0"/>
           </a:p>
@@ -1096,7 +1142,7 @@
           <a:p>
             <a:fld id="{9052E32D-1E84-43FD-8158-FFFE757EB0E8}" type="datetime1">
               <a:rPr lang="en-US" smtClean="0"/>
-              <a:t>2/5/2021</a:t>
+              <a:t>2/8/2021</a:t>
             </a:fld>
             <a:endParaRPr lang="en-US" dirty="0"/>
           </a:p>
@@ -1301,7 +1347,7 @@
           <a:p>
             <a:fld id="{8585C470-CD19-455C-B830-6D252EAD7FE5}" type="datetime1">
               <a:rPr lang="en-US" smtClean="0"/>
-              <a:t>2/5/2021</a:t>
+              <a:t>2/8/2021</a:t>
             </a:fld>
             <a:endParaRPr lang="en-US" dirty="0"/>
           </a:p>
@@ -1558,7 +1604,7 @@
           <a:p>
             <a:fld id="{7F85C43C-50D9-4F49-A136-0EFF292F93ED}" type="datetime1">
               <a:rPr lang="en-US" smtClean="0"/>
-              <a:t>2/5/2021</a:t>
+              <a:t>2/8/2021</a:t>
             </a:fld>
             <a:endParaRPr lang="en-US" dirty="0"/>
           </a:p>
@@ -1905,7 +1951,7 @@
           <a:p>
             <a:fld id="{7B53B1A3-0AEF-4064-A724-D27D660C8653}" type="datetime1">
               <a:rPr lang="en-US" smtClean="0"/>
-              <a:t>2/5/2021</a:t>
+              <a:t>2/8/2021</a:t>
             </a:fld>
             <a:endParaRPr lang="en-US" dirty="0"/>
           </a:p>
@@ -2307,7 +2353,7 @@
           <a:p>
             <a:fld id="{37D5D0F2-BF66-4A24-9384-A0129B196518}" type="datetime1">
               <a:rPr lang="en-US" smtClean="0"/>
-              <a:t>2/5/2021</a:t>
+              <a:t>2/8/2021</a:t>
             </a:fld>
             <a:endParaRPr lang="en-US" dirty="0"/>
           </a:p>
@@ -2425,7 +2471,7 @@
           <a:p>
             <a:fld id="{8C318A6C-4F6B-48D2-BDB0-D7413B3FDB0A}" type="datetime1">
               <a:rPr lang="en-US" smtClean="0"/>
-              <a:t>2/5/2021</a:t>
+              <a:t>2/8/2021</a:t>
             </a:fld>
             <a:endParaRPr lang="en-US" dirty="0"/>
           </a:p>
@@ -2520,7 +2566,7 @@
           <a:p>
             <a:fld id="{BF01ECED-6ECE-4989-B917-9D4D7E6D3C76}" type="datetime1">
               <a:rPr lang="en-US" smtClean="0"/>
-              <a:t>2/5/2021</a:t>
+              <a:t>2/8/2021</a:t>
             </a:fld>
             <a:endParaRPr lang="en-US" dirty="0"/>
           </a:p>
@@ -2810,7 +2856,7 @@
           <a:p>
             <a:fld id="{E3B570E1-CB40-488E-8C6F-EF4211DFFCB0}" type="datetime1">
               <a:rPr lang="en-US" smtClean="0"/>
-              <a:t>2/5/2021</a:t>
+              <a:t>2/8/2021</a:t>
             </a:fld>
             <a:endParaRPr lang="en-US" dirty="0"/>
           </a:p>
@@ -3090,7 +3136,7 @@
           <a:p>
             <a:fld id="{D1CEB6AF-9F5C-43BE-879E-CB9514111250}" type="datetime1">
               <a:rPr lang="en-US" smtClean="0"/>
-              <a:t>2/5/2021</a:t>
+              <a:t>2/8/2021</a:t>
             </a:fld>
             <a:endParaRPr lang="en-US" dirty="0"/>
           </a:p>
@@ -3340,7 +3386,7 @@
           <a:p>
             <a:fld id="{E7EE424C-FCA3-4EDD-B274-8E055D649B7D}" type="datetime1">
               <a:rPr lang="en-US" smtClean="0"/>
-              <a:t>2/5/2021</a:t>
+              <a:t>2/8/2021</a:t>
             </a:fld>
             <a:endParaRPr lang="en-US" dirty="0"/>
           </a:p>
@@ -3905,7 +3951,9 @@
         </p:nvSpPr>
         <p:spPr>
           <a:solidFill>
-            <a:schemeClr val="tx1"/>
+            <a:srgbClr val="FFFFFF">
+              <a:alpha val="34902"/>
+            </a:srgbClr>
           </a:solidFill>
         </p:spPr>
         <p:txBody>
@@ -3964,7 +4012,9 @@
         </p:nvSpPr>
         <p:spPr>
           <a:solidFill>
-            <a:schemeClr val="tx1"/>
+            <a:srgbClr val="FFFFFF">
+              <a:alpha val="34902"/>
+            </a:srgbClr>
           </a:solidFill>
         </p:spPr>
         <p:txBody>
@@ -4422,7 +4472,7 @@
               <a:buNone/>
             </a:pPr>
             <a:r>
-              <a:rPr lang="en-US" sz="2000" b="1" u="sng">
+              <a:rPr lang="en-US" sz="2000" b="1" u="sng" dirty="0">
                 <a:solidFill>
                   <a:srgbClr val="FFFFFF"/>
                 </a:solidFill>
@@ -4435,21 +4485,14 @@
               <a:buNone/>
             </a:pPr>
             <a:r>
-              <a:rPr lang="en-GB" sz="2000">
+              <a:rPr lang="en-GB" sz="2000" dirty="0">
                 <a:solidFill>
                   <a:srgbClr val="FFFFFF"/>
                 </a:solidFill>
               </a:rPr>
-              <a:t>Does not show any real growth within the company during 2018-2019.  (-2 y/y)</a:t>
-            </a:r>
-            <a:endParaRPr lang="en-US" sz="2000">
-              <a:solidFill>
-                <a:srgbClr val="FFFFFF"/>
-              </a:solidFill>
-            </a:endParaRPr>
-          </a:p>
-          <a:p>
-            <a:endParaRPr lang="en-US" sz="2000">
+              <a:t>Presents a potential disbalance in the number of managers to associates </a:t>
+            </a:r>
+            <a:endParaRPr lang="en-US" sz="2000" dirty="0">
               <a:solidFill>
                 <a:srgbClr val="FFFFFF"/>
               </a:solidFill>
@@ -5601,20 +5644,20 @@
 </file>
 
 <file path=customXml/item2.xml><?xml version="1.0" encoding="utf-8"?>
-<p:properties xmlns:p="http://schemas.microsoft.com/office/2006/metadata/properties" xmlns:xsi="http://www.w3.org/2001/XMLSchema-instance" xmlns:pc="http://schemas.microsoft.com/office/infopath/2007/PartnerControls">
-  <documentManagement>
-    <MediaServiceKeyPoints xmlns="71af3243-3dd4-4a8d-8c0d-dd76da1f02a5" xsi:nil="true"/>
-  </documentManagement>
-</p:properties>
-</file>
-
-<file path=customXml/item3.xml><?xml version="1.0" encoding="utf-8"?>
 <?mso-contentType ?>
 <FormTemplates xmlns="http://schemas.microsoft.com/sharepoint/v3/contenttype/forms">
   <Display>DocumentLibraryForm</Display>
   <Edit>DocumentLibraryForm</Edit>
   <New>DocumentLibraryForm</New>
 </FormTemplates>
+</file>
+
+<file path=customXml/item3.xml><?xml version="1.0" encoding="utf-8"?>
+<p:properties xmlns:p="http://schemas.microsoft.com/office/2006/metadata/properties" xmlns:xsi="http://www.w3.org/2001/XMLSchema-instance" xmlns:pc="http://schemas.microsoft.com/office/infopath/2007/PartnerControls">
+  <documentManagement>
+    <MediaServiceKeyPoints xmlns="71af3243-3dd4-4a8d-8c0d-dd76da1f02a5" xsi:nil="true"/>
+  </documentManagement>
+</p:properties>
 </file>
 
 <file path=customXml/itemProps1.xml><?xml version="1.0" encoding="utf-8"?>
@@ -5637,19 +5680,26 @@
 </file>
 
 <file path=customXml/itemProps2.xml><?xml version="1.0" encoding="utf-8"?>
-<ds:datastoreItem xmlns:ds="http://schemas.openxmlformats.org/officeDocument/2006/customXml" ds:itemID="{788A2F88-55C5-4ED1-9541-807C65424763}">
+<ds:datastoreItem xmlns:ds="http://schemas.openxmlformats.org/officeDocument/2006/customXml" ds:itemID="{4F44C90D-2A62-4985-9618-3460247437B1}">
   <ds:schemaRefs>
-    <ds:schemaRef ds:uri="http://schemas.microsoft.com/office/2006/metadata/properties"/>
-    <ds:schemaRef ds:uri="http://schemas.microsoft.com/office/infopath/2007/PartnerControls"/>
-    <ds:schemaRef ds:uri="71af3243-3dd4-4a8d-8c0d-dd76da1f02a5"/>
+    <ds:schemaRef ds:uri="http://schemas.microsoft.com/sharepoint/v3/contenttype/forms"/>
   </ds:schemaRefs>
 </ds:datastoreItem>
 </file>
 
 <file path=customXml/itemProps3.xml><?xml version="1.0" encoding="utf-8"?>
-<ds:datastoreItem xmlns:ds="http://schemas.openxmlformats.org/officeDocument/2006/customXml" ds:itemID="{4F44C90D-2A62-4985-9618-3460247437B1}">
+<ds:datastoreItem xmlns:ds="http://schemas.openxmlformats.org/officeDocument/2006/customXml" ds:itemID="{788A2F88-55C5-4ED1-9541-807C65424763}">
   <ds:schemaRefs>
-    <ds:schemaRef ds:uri="http://schemas.microsoft.com/sharepoint/v3/contenttype/forms"/>
+    <ds:schemaRef ds:uri="http://schemas.openxmlformats.org/package/2006/metadata/core-properties"/>
+    <ds:schemaRef ds:uri="http://purl.org/dc/elements/1.1/"/>
+    <ds:schemaRef ds:uri="http://schemas.microsoft.com/office/infopath/2007/PartnerControls"/>
+    <ds:schemaRef ds:uri="http://purl.org/dc/terms/"/>
+    <ds:schemaRef ds:uri="16c05727-aa75-4e4a-9b5f-8a80a1165891"/>
+    <ds:schemaRef ds:uri="http://schemas.microsoft.com/office/2006/documentManagement/types"/>
+    <ds:schemaRef ds:uri="71af3243-3dd4-4a8d-8c0d-dd76da1f02a5"/>
+    <ds:schemaRef ds:uri="http://schemas.microsoft.com/office/2006/metadata/properties"/>
+    <ds:schemaRef ds:uri="http://www.w3.org/XML/1998/namespace"/>
+    <ds:schemaRef ds:uri="http://purl.org/dc/dcmitype/"/>
   </ds:schemaRefs>
 </ds:datastoreItem>
 </file>